--- a/support 1 - Deep Learning/Deep Learning.pptx
+++ b/support 1 - Deep Learning/Deep Learning.pptx
@@ -128,6 +128,14 @@
       </a:defRPr>
     </a:lvl9pPr>
   </p:defaultTextStyle>
+  <p:extLst>
+    <p:ext uri="{EFAFB233-063F-42B5-8137-9DF3F51BA10A}">
+      <p15:sldGuideLst xmlns:p15="http://schemas.microsoft.com/office/powerpoint/2012/main"/>
+    </p:ext>
+    <p:ext uri="{2D200454-40CA-4A62-9FC3-DE9A4176ACB9}">
+      <p15:notesGuideLst xmlns:p15="http://schemas.microsoft.com/office/powerpoint/2012/main"/>
+    </p:ext>
+  </p:extLst>
 </p:presentation>
 </file>
 
@@ -213,7 +221,7 @@
           <a:p>
             <a:fld id="{261BA4F8-6CC0-4CB0-A24D-DE374134893F}" type="datetimeFigureOut">
               <a:rPr lang="fr-FR" smtClean="0"/>
-              <a:t>03/11/2015</a:t>
+              <a:t>13/11/2015</a:t>
             </a:fld>
             <a:endParaRPr lang="fr-FR"/>
           </a:p>
@@ -379,7 +387,7 @@
           <a:p>
             <a:fld id="{63D558CC-20B1-4D5A-BA43-35148C0864F5}" type="datetimeFigureOut">
               <a:rPr lang="fr-FR" smtClean="0"/>
-              <a:t>03/11/2015</a:t>
+              <a:t>13/11/2015</a:t>
             </a:fld>
             <a:endParaRPr lang="fr-FR"/>
           </a:p>
@@ -1150,7 +1158,7 @@
           <a:p>
             <a:fld id="{09B0CF41-86E9-43C0-BCC9-35A022266A14}" type="datetime1">
               <a:rPr lang="en-US" smtClean="0"/>
-              <a:t>11/3/2015</a:t>
+              <a:t>11/13/2015</a:t>
             </a:fld>
             <a:endParaRPr lang="en-US" dirty="0"/>
           </a:p>
@@ -1449,7 +1457,7 @@
           <a:p>
             <a:fld id="{374BD50B-B367-4C25-A403-EDEF4A24A6B8}" type="datetime1">
               <a:rPr lang="en-US" smtClean="0"/>
-              <a:t>11/3/2015</a:t>
+              <a:t>11/13/2015</a:t>
             </a:fld>
             <a:endParaRPr lang="en-US" dirty="0"/>
           </a:p>
@@ -1693,7 +1701,7 @@
           <a:p>
             <a:fld id="{8D746112-4AF4-429B-87C8-0C5B3C372A11}" type="datetime1">
               <a:rPr lang="en-US" smtClean="0"/>
-              <a:t>11/3/2015</a:t>
+              <a:t>11/13/2015</a:t>
             </a:fld>
             <a:endParaRPr lang="en-US" dirty="0"/>
           </a:p>
@@ -2229,7 +2237,7 @@
           <a:p>
             <a:fld id="{1F8965B6-72CB-4A12-8D0A-D1031B23EBAC}" type="datetime1">
               <a:rPr lang="en-US" smtClean="0"/>
-              <a:t>11/3/2015</a:t>
+              <a:t>11/13/2015</a:t>
             </a:fld>
             <a:endParaRPr lang="en-US" dirty="0"/>
           </a:p>
@@ -2473,7 +2481,7 @@
           <a:p>
             <a:fld id="{A93AB4A2-36A8-4E16-9B22-F31F60CBCD66}" type="datetime1">
               <a:rPr lang="en-US" smtClean="0"/>
-              <a:t>11/3/2015</a:t>
+              <a:t>11/13/2015</a:t>
             </a:fld>
             <a:endParaRPr lang="en-US" dirty="0"/>
           </a:p>
@@ -3001,7 +3009,7 @@
           <a:p>
             <a:fld id="{3CFAE7BB-5F00-45BD-BA74-BF43004D8C3C}" type="datetime1">
               <a:rPr lang="en-US" smtClean="0"/>
-              <a:t>11/3/2015</a:t>
+              <a:t>11/13/2015</a:t>
             </a:fld>
             <a:endParaRPr lang="en-US" dirty="0"/>
           </a:p>
@@ -3294,7 +3302,7 @@
           <a:p>
             <a:fld id="{1473E1CC-536B-4BA9-9DD9-340D609344FC}" type="datetime1">
               <a:rPr lang="en-US" smtClean="0"/>
-              <a:t>11/3/2015</a:t>
+              <a:t>11/13/2015</a:t>
             </a:fld>
             <a:endParaRPr lang="en-US" dirty="0"/>
           </a:p>
@@ -3464,7 +3472,7 @@
           <a:p>
             <a:fld id="{A3A0A76A-98FB-4CE4-B37D-6B7DCDB91EEF}" type="datetime1">
               <a:rPr lang="en-US" smtClean="0"/>
-              <a:t>11/3/2015</a:t>
+              <a:t>11/13/2015</a:t>
             </a:fld>
             <a:endParaRPr lang="en-US" dirty="0"/>
           </a:p>
@@ -3640,7 +3648,7 @@
           <a:p>
             <a:fld id="{0B67F87D-96A0-4BA2-A3FD-B6DDD6B2E2CD}" type="datetime1">
               <a:rPr lang="en-US" smtClean="0"/>
-              <a:t>11/3/2015</a:t>
+              <a:t>11/13/2015</a:t>
             </a:fld>
             <a:endParaRPr lang="en-US" dirty="0"/>
           </a:p>
@@ -3806,7 +3814,7 @@
           <a:p>
             <a:fld id="{018A9F27-DB6F-493D-AA82-9787335C096E}" type="datetime1">
               <a:rPr lang="en-US" smtClean="0"/>
-              <a:t>11/3/2015</a:t>
+              <a:t>11/13/2015</a:t>
             </a:fld>
             <a:endParaRPr lang="en-US" dirty="0"/>
           </a:p>
@@ -4060,7 +4068,7 @@
           <a:p>
             <a:fld id="{5BCEDFD1-DFC0-42D0-8B4C-E9998A9C396F}" type="datetime1">
               <a:rPr lang="en-US" smtClean="0"/>
-              <a:t>11/3/2015</a:t>
+              <a:t>11/13/2015</a:t>
             </a:fld>
             <a:endParaRPr lang="en-US" dirty="0"/>
           </a:p>
@@ -4353,7 +4361,7 @@
           <a:p>
             <a:fld id="{19CB450C-7FFD-4D5D-960C-7AB3101F478C}" type="datetime1">
               <a:rPr lang="en-US" smtClean="0"/>
-              <a:t>11/3/2015</a:t>
+              <a:t>11/13/2015</a:t>
             </a:fld>
             <a:endParaRPr lang="en-US" dirty="0"/>
           </a:p>
@@ -4791,7 +4799,7 @@
           <a:p>
             <a:fld id="{9162D8B2-579C-4CEB-AB4C-A00B3ADF535E}" type="datetime1">
               <a:rPr lang="en-US" smtClean="0"/>
-              <a:t>11/3/2015</a:t>
+              <a:t>11/13/2015</a:t>
             </a:fld>
             <a:endParaRPr lang="en-US" dirty="0"/>
           </a:p>
@@ -4905,7 +4913,7 @@
           <a:p>
             <a:fld id="{4678EA41-F6C6-4EB2-AAA2-C54A860BC64E}" type="datetime1">
               <a:rPr lang="en-US" smtClean="0"/>
-              <a:t>11/3/2015</a:t>
+              <a:t>11/13/2015</a:t>
             </a:fld>
             <a:endParaRPr lang="en-US" dirty="0"/>
           </a:p>
@@ -4996,7 +5004,7 @@
           <a:p>
             <a:fld id="{85296C0F-A1ED-4737-A60C-7F4F1BDEA476}" type="datetime1">
               <a:rPr lang="en-US" smtClean="0"/>
-              <a:t>11/3/2015</a:t>
+              <a:t>11/13/2015</a:t>
             </a:fld>
             <a:endParaRPr lang="en-US" dirty="0"/>
           </a:p>
@@ -5275,7 +5283,7 @@
           <a:p>
             <a:fld id="{824928D4-DB69-48F9-A466-1E86D9DEE2D3}" type="datetime1">
               <a:rPr lang="en-US" smtClean="0"/>
-              <a:t>11/3/2015</a:t>
+              <a:t>11/13/2015</a:t>
             </a:fld>
             <a:endParaRPr lang="en-US" dirty="0"/>
           </a:p>
@@ -5562,7 +5570,7 @@
           <a:p>
             <a:fld id="{F9C6B35C-E4B1-4C9C-A14A-D1B21C6D3B4C}" type="datetime1">
               <a:rPr lang="en-US" smtClean="0"/>
-              <a:t>11/3/2015</a:t>
+              <a:t>11/13/2015</a:t>
             </a:fld>
             <a:endParaRPr lang="en-US" dirty="0"/>
           </a:p>
@@ -6088,7 +6096,7 @@
           <a:p>
             <a:fld id="{0C8E7DF2-4810-49B2-A2BB-CDB0FD0D3DCA}" type="datetime1">
               <a:rPr lang="en-US" smtClean="0"/>
-              <a:t>11/3/2015</a:t>
+              <a:t>11/13/2015</a:t>
             </a:fld>
             <a:endParaRPr lang="en-US" dirty="0"/>
           </a:p>
@@ -6676,8 +6684,8 @@
               <a:t> the computer </a:t>
             </a:r>
             <a:r>
-              <a:rPr lang="fr-FR" dirty="0" err="1"/>
-              <a:t>dream</a:t>
+              <a:rPr lang="fr-FR" dirty="0" err="1" smtClean="0"/>
+              <a:t>dreams</a:t>
             </a:r>
             <a:r>
               <a:rPr lang="fr-FR" dirty="0"/>
@@ -6902,7 +6910,7 @@
                   <a:schemeClr val="tx1"/>
                 </a:solidFill>
               </a:rPr>
-              <a:t>Databases</a:t>
+              <a:t>Database</a:t>
             </a:r>
             <a:r>
               <a:rPr lang="fr-FR" sz="2400" dirty="0" smtClean="0">
@@ -6910,7 +6918,15 @@
                   <a:schemeClr val="tx1"/>
                 </a:solidFill>
               </a:rPr>
-              <a:t> of Images</a:t>
+              <a:t> </a:t>
+            </a:r>
+            <a:r>
+              <a:rPr lang="fr-FR" sz="2400" dirty="0" smtClean="0">
+                <a:solidFill>
+                  <a:schemeClr val="tx1"/>
+                </a:solidFill>
+              </a:rPr>
+              <a:t>of Images</a:t>
             </a:r>
           </a:p>
           <a:p>
@@ -7071,7 +7087,19 @@
             </a:r>
             <a:r>
               <a:rPr lang="fr-FR" dirty="0" smtClean="0"/>
-              <a:t> Intelligence = danger for man ?</a:t>
+              <a:t> Intelligence = danger for </a:t>
+            </a:r>
+            <a:r>
+              <a:rPr lang="fr-FR" dirty="0" err="1" smtClean="0"/>
+              <a:t>humanity</a:t>
+            </a:r>
+            <a:r>
+              <a:rPr lang="fr-FR" dirty="0" smtClean="0"/>
+              <a:t> </a:t>
+            </a:r>
+            <a:r>
+              <a:rPr lang="fr-FR" dirty="0" smtClean="0"/>
+              <a:t>?</a:t>
             </a:r>
             <a:endParaRPr lang="fr-FR" dirty="0"/>
           </a:p>
@@ -8500,7 +8528,7 @@
             <a:pPr lvl="1"/>
             <a:r>
               <a:rPr lang="fr-FR" dirty="0" smtClean="0"/>
-              <a:t>Publication of the </a:t>
+              <a:t>Publication of </a:t>
             </a:r>
             <a:r>
               <a:rPr lang="fr-FR" dirty="0" err="1" smtClean="0"/>
@@ -8508,7 +8536,11 @@
             </a:r>
             <a:r>
               <a:rPr lang="fr-FR" dirty="0" smtClean="0"/>
-              <a:t> 17, 2015</a:t>
+              <a:t> 17th, </a:t>
+            </a:r>
+            <a:r>
+              <a:rPr lang="fr-FR" dirty="0" smtClean="0"/>
+              <a:t>2015</a:t>
             </a:r>
           </a:p>
           <a:p>
@@ -9164,7 +9196,7 @@
             </a:r>
             <a:r>
               <a:rPr lang="fr-FR" sz="2800" dirty="0" err="1" smtClean="0"/>
-              <a:t>understand</a:t>
+              <a:t>understanding</a:t>
             </a:r>
             <a:r>
               <a:rPr lang="fr-FR" sz="2800" dirty="0" smtClean="0"/>
@@ -10359,7 +10391,6 @@
               <a:rPr lang="fr-FR" sz="2400" dirty="0"/>
               <a:t>Part</a:t>
             </a:r>
-            <a:endParaRPr lang="fr-FR" sz="2400" dirty="0"/>
           </a:p>
         </p:txBody>
       </p:sp>
